--- a/PowerPointSlideExportation/PowerPointSlideExportation/Presentation1.pptx
+++ b/PowerPointSlideExportation/PowerPointSlideExportation/Presentation1.pptx
@@ -244,7 +244,7 @@
           <a:p>
             <a:fld id="{89DA8B07-5E97-4DFF-ABDC-B50ABE9D046A}" type="datetimeFigureOut">
               <a:rPr lang="en-US" smtClean="0"/>
-              <a:t>4/14/2016</a:t>
+              <a:t>4/19/2016</a:t>
             </a:fld>
             <a:endParaRPr lang="en-US"/>
           </a:p>
@@ -414,7 +414,7 @@
           <a:p>
             <a:fld id="{89DA8B07-5E97-4DFF-ABDC-B50ABE9D046A}" type="datetimeFigureOut">
               <a:rPr lang="en-US" smtClean="0"/>
-              <a:t>4/14/2016</a:t>
+              <a:t>4/19/2016</a:t>
             </a:fld>
             <a:endParaRPr lang="en-US"/>
           </a:p>
@@ -594,7 +594,7 @@
           <a:p>
             <a:fld id="{89DA8B07-5E97-4DFF-ABDC-B50ABE9D046A}" type="datetimeFigureOut">
               <a:rPr lang="en-US" smtClean="0"/>
-              <a:t>4/14/2016</a:t>
+              <a:t>4/19/2016</a:t>
             </a:fld>
             <a:endParaRPr lang="en-US"/>
           </a:p>
@@ -764,7 +764,7 @@
           <a:p>
             <a:fld id="{89DA8B07-5E97-4DFF-ABDC-B50ABE9D046A}" type="datetimeFigureOut">
               <a:rPr lang="en-US" smtClean="0"/>
-              <a:t>4/14/2016</a:t>
+              <a:t>4/19/2016</a:t>
             </a:fld>
             <a:endParaRPr lang="en-US"/>
           </a:p>
@@ -1010,7 +1010,7 @@
           <a:p>
             <a:fld id="{89DA8B07-5E97-4DFF-ABDC-B50ABE9D046A}" type="datetimeFigureOut">
               <a:rPr lang="en-US" smtClean="0"/>
-              <a:t>4/14/2016</a:t>
+              <a:t>4/19/2016</a:t>
             </a:fld>
             <a:endParaRPr lang="en-US"/>
           </a:p>
@@ -1242,7 +1242,7 @@
           <a:p>
             <a:fld id="{89DA8B07-5E97-4DFF-ABDC-B50ABE9D046A}" type="datetimeFigureOut">
               <a:rPr lang="en-US" smtClean="0"/>
-              <a:t>4/14/2016</a:t>
+              <a:t>4/19/2016</a:t>
             </a:fld>
             <a:endParaRPr lang="en-US"/>
           </a:p>
@@ -1609,7 +1609,7 @@
           <a:p>
             <a:fld id="{89DA8B07-5E97-4DFF-ABDC-B50ABE9D046A}" type="datetimeFigureOut">
               <a:rPr lang="en-US" smtClean="0"/>
-              <a:t>4/14/2016</a:t>
+              <a:t>4/19/2016</a:t>
             </a:fld>
             <a:endParaRPr lang="en-US"/>
           </a:p>
@@ -1727,7 +1727,7 @@
           <a:p>
             <a:fld id="{89DA8B07-5E97-4DFF-ABDC-B50ABE9D046A}" type="datetimeFigureOut">
               <a:rPr lang="en-US" smtClean="0"/>
-              <a:t>4/14/2016</a:t>
+              <a:t>4/19/2016</a:t>
             </a:fld>
             <a:endParaRPr lang="en-US"/>
           </a:p>
@@ -1822,7 +1822,7 @@
           <a:p>
             <a:fld id="{89DA8B07-5E97-4DFF-ABDC-B50ABE9D046A}" type="datetimeFigureOut">
               <a:rPr lang="en-US" smtClean="0"/>
-              <a:t>4/14/2016</a:t>
+              <a:t>4/19/2016</a:t>
             </a:fld>
             <a:endParaRPr lang="en-US"/>
           </a:p>
@@ -2099,7 +2099,7 @@
           <a:p>
             <a:fld id="{89DA8B07-5E97-4DFF-ABDC-B50ABE9D046A}" type="datetimeFigureOut">
               <a:rPr lang="en-US" smtClean="0"/>
-              <a:t>4/14/2016</a:t>
+              <a:t>4/19/2016</a:t>
             </a:fld>
             <a:endParaRPr lang="en-US"/>
           </a:p>
@@ -2352,7 +2352,7 @@
           <a:p>
             <a:fld id="{89DA8B07-5E97-4DFF-ABDC-B50ABE9D046A}" type="datetimeFigureOut">
               <a:rPr lang="en-US" smtClean="0"/>
-              <a:t>4/14/2016</a:t>
+              <a:t>4/19/2016</a:t>
             </a:fld>
             <a:endParaRPr lang="en-US"/>
           </a:p>
@@ -2565,7 +2565,7 @@
           <a:p>
             <a:fld id="{89DA8B07-5E97-4DFF-ABDC-B50ABE9D046A}" type="datetimeFigureOut">
               <a:rPr lang="en-US" smtClean="0"/>
-              <a:t>4/14/2016</a:t>
+              <a:t>4/19/2016</a:t>
             </a:fld>
             <a:endParaRPr lang="en-US"/>
           </a:p>
@@ -3008,6 +3008,36 @@
           </a:p>
         </p:txBody>
       </p:sp>
+      <p:pic>
+        <p:nvPicPr>
+          <p:cNvPr id="4" name="Picture 3"/>
+          <p:cNvPicPr>
+            <a:picLocks noChangeAspect="1"/>
+          </p:cNvPicPr>
+          <p:nvPr/>
+        </p:nvPicPr>
+        <p:blipFill>
+          <a:blip r:embed="rId2">
+            <a:extLst>
+              <a:ext uri="{28A0092B-C50C-407E-A947-70E740481C1C}">
+                <a14:useLocalDpi xmlns:a14="http://schemas.microsoft.com/office/drawing/2010/main" val="0"/>
+              </a:ext>
+            </a:extLst>
+          </a:blip>
+          <a:stretch>
+            <a:fillRect/>
+          </a:stretch>
+        </p:blipFill>
+        <p:spPr>
+          <a:xfrm>
+            <a:off x="609600" y="0"/>
+            <a:ext cx="10972800" cy="6858000"/>
+          </a:xfrm>
+          <a:prstGeom prst="rect">
+            <a:avLst/>
+          </a:prstGeom>
+        </p:spPr>
+      </p:pic>
     </p:spTree>
     <p:extLst>
       <p:ext uri="{BB962C8B-B14F-4D97-AF65-F5344CB8AC3E}">
@@ -3352,7 +3382,7 @@
 
 <file path=ppt/webextensions/taskpanes.xml><?xml version="1.0" encoding="utf-8"?>
 <wetp:taskpanes xmlns:wetp="http://schemas.microsoft.com/office/webextensions/taskpanes/2010/11">
-  <wetp:taskpane dockstate="right" visibility="0" width="350" row="4">
+  <wetp:taskpane dockstate="right" visibility="1" width="525" row="5">
     <wetp:webextensionref xmlns:r="http://schemas.openxmlformats.org/officeDocument/2006/relationships" r:id="rId1"/>
   </wetp:taskpane>
 </wetp:taskpanes>
